--- a/Dokumentacio/telock Eloadas.pptx
+++ b/Dokumentacio/telock Eloadas.pptx
@@ -1325,7 +1325,7 @@
   <p:cSld>
     <p:spTree>
       <p:nvGrpSpPr>
-        <p:cNvPr id="163" name="Shape 163"/>
+        <p:cNvPr id="164" name="Shape 164"/>
         <p:cNvGrpSpPr/>
         <p:nvPr/>
       </p:nvGrpSpPr>
@@ -1339,7 +1339,7 @@
       </p:grpSpPr>
       <p:sp>
         <p:nvSpPr>
-          <p:cNvPr id="164" name="Google Shape;164;p13:notes"/>
+          <p:cNvPr id="165" name="Google Shape;165;p13:notes"/>
           <p:cNvSpPr txBox="1"/>
           <p:nvPr>
             <p:ph idx="1" type="body"/>
@@ -1386,7 +1386,7 @@
       </p:sp>
       <p:sp>
         <p:nvSpPr>
-          <p:cNvPr id="165" name="Google Shape;165;p13:notes"/>
+          <p:cNvPr id="166" name="Google Shape;166;p13:notes"/>
           <p:cNvSpPr/>
           <p:nvPr>
             <p:ph idx="2" type="sldImg"/>
@@ -1442,7 +1442,7 @@
   <p:cSld>
     <p:spTree>
       <p:nvGrpSpPr>
-        <p:cNvPr id="172" name="Shape 172"/>
+        <p:cNvPr id="173" name="Shape 173"/>
         <p:cNvGrpSpPr/>
         <p:nvPr/>
       </p:nvGrpSpPr>
@@ -1456,7 +1456,7 @@
       </p:grpSpPr>
       <p:sp>
         <p:nvSpPr>
-          <p:cNvPr id="173" name="Google Shape;173;p14:notes"/>
+          <p:cNvPr id="174" name="Google Shape;174;p14:notes"/>
           <p:cNvSpPr txBox="1"/>
           <p:nvPr>
             <p:ph idx="1" type="body"/>
@@ -1503,7 +1503,7 @@
       </p:sp>
       <p:sp>
         <p:nvSpPr>
-          <p:cNvPr id="174" name="Google Shape;174;p14:notes"/>
+          <p:cNvPr id="175" name="Google Shape;175;p14:notes"/>
           <p:cNvSpPr/>
           <p:nvPr>
             <p:ph idx="2" type="sldImg"/>
@@ -1559,7 +1559,7 @@
   <p:cSld>
     <p:spTree>
       <p:nvGrpSpPr>
-        <p:cNvPr id="180" name="Shape 180"/>
+        <p:cNvPr id="181" name="Shape 181"/>
         <p:cNvGrpSpPr/>
         <p:nvPr/>
       </p:nvGrpSpPr>
@@ -1573,7 +1573,7 @@
       </p:grpSpPr>
       <p:sp>
         <p:nvSpPr>
-          <p:cNvPr id="181" name="Google Shape;181;p15:notes"/>
+          <p:cNvPr id="182" name="Google Shape;182;p15:notes"/>
           <p:cNvSpPr txBox="1"/>
           <p:nvPr>
             <p:ph idx="1" type="body"/>
@@ -1620,7 +1620,7 @@
       </p:sp>
       <p:sp>
         <p:nvSpPr>
-          <p:cNvPr id="182" name="Google Shape;182;p15:notes"/>
+          <p:cNvPr id="183" name="Google Shape;183;p15:notes"/>
           <p:cNvSpPr/>
           <p:nvPr>
             <p:ph idx="2" type="sldImg"/>
@@ -1676,7 +1676,7 @@
   <p:cSld>
     <p:spTree>
       <p:nvGrpSpPr>
-        <p:cNvPr id="188" name="Shape 188"/>
+        <p:cNvPr id="189" name="Shape 189"/>
         <p:cNvGrpSpPr/>
         <p:nvPr/>
       </p:nvGrpSpPr>
@@ -1690,7 +1690,7 @@
       </p:grpSpPr>
       <p:sp>
         <p:nvSpPr>
-          <p:cNvPr id="189" name="Google Shape;189;p16:notes"/>
+          <p:cNvPr id="190" name="Google Shape;190;p16:notes"/>
           <p:cNvSpPr txBox="1"/>
           <p:nvPr>
             <p:ph idx="1" type="body"/>
@@ -1737,7 +1737,7 @@
       </p:sp>
       <p:sp>
         <p:nvSpPr>
-          <p:cNvPr id="190" name="Google Shape;190;p16:notes"/>
+          <p:cNvPr id="191" name="Google Shape;191;p16:notes"/>
           <p:cNvSpPr/>
           <p:nvPr>
             <p:ph idx="2" type="sldImg"/>
@@ -1793,7 +1793,7 @@
   <p:cSld>
     <p:spTree>
       <p:nvGrpSpPr>
-        <p:cNvPr id="197" name="Shape 197"/>
+        <p:cNvPr id="198" name="Shape 198"/>
         <p:cNvGrpSpPr/>
         <p:nvPr/>
       </p:nvGrpSpPr>
@@ -1807,7 +1807,7 @@
       </p:grpSpPr>
       <p:sp>
         <p:nvSpPr>
-          <p:cNvPr id="198" name="Google Shape;198;p17:notes"/>
+          <p:cNvPr id="199" name="Google Shape;199;p17:notes"/>
           <p:cNvSpPr txBox="1"/>
           <p:nvPr>
             <p:ph idx="1" type="body"/>
@@ -1854,7 +1854,7 @@
       </p:sp>
       <p:sp>
         <p:nvSpPr>
-          <p:cNvPr id="199" name="Google Shape;199;p17:notes"/>
+          <p:cNvPr id="200" name="Google Shape;200;p17:notes"/>
           <p:cNvSpPr/>
           <p:nvPr>
             <p:ph idx="2" type="sldImg"/>
@@ -1910,7 +1910,7 @@
   <p:cSld>
     <p:spTree>
       <p:nvGrpSpPr>
-        <p:cNvPr id="206" name="Shape 206"/>
+        <p:cNvPr id="207" name="Shape 207"/>
         <p:cNvGrpSpPr/>
         <p:nvPr/>
       </p:nvGrpSpPr>
@@ -1924,7 +1924,7 @@
       </p:grpSpPr>
       <p:sp>
         <p:nvSpPr>
-          <p:cNvPr id="207" name="Google Shape;207;p18:notes"/>
+          <p:cNvPr id="208" name="Google Shape;208;p18:notes"/>
           <p:cNvSpPr txBox="1"/>
           <p:nvPr>
             <p:ph idx="1" type="body"/>
@@ -1971,7 +1971,7 @@
       </p:sp>
       <p:sp>
         <p:nvSpPr>
-          <p:cNvPr id="208" name="Google Shape;208;p18:notes"/>
+          <p:cNvPr id="209" name="Google Shape;209;p18:notes"/>
           <p:cNvSpPr/>
           <p:nvPr>
             <p:ph idx="2" type="sldImg"/>
@@ -11083,6 +11083,9 @@
     <p:sldLayoutId id="2147483658" r:id="rId11"/>
     <p:sldLayoutId id="2147483659" r:id="rId12"/>
   </p:sldLayoutIdLst>
+  <p:transition spd="med">
+    <p:fade/>
+  </p:transition>
   <p:hf dt="0" ftr="0" hdr="0" sldNum="0"/>
   <p:txStyles>
     <p:titleStyle>
@@ -13382,8 +13385,36 @@
         </p:blipFill>
         <p:spPr>
           <a:xfrm>
-            <a:off x="6661100" y="1320000"/>
-            <a:ext cx="4768900" cy="4768900"/>
+            <a:off x="8560925" y="619225"/>
+            <a:ext cx="2869076" cy="2869076"/>
+          </a:xfrm>
+          <a:prstGeom prst="rect">
+            <a:avLst/>
+          </a:prstGeom>
+          <a:noFill/>
+          <a:ln>
+            <a:noFill/>
+          </a:ln>
+        </p:spPr>
+      </p:pic>
+      <p:pic>
+        <p:nvPicPr>
+          <p:cNvPr id="163" name="Google Shape;163;p25" title="Képernyőfotó 2025-05-05 - 13.04.17.png"/>
+          <p:cNvPicPr preferRelativeResize="0"/>
+          <p:nvPr/>
+        </p:nvPicPr>
+        <p:blipFill>
+          <a:blip r:embed="rId5">
+            <a:alphaModFix/>
+          </a:blip>
+          <a:stretch>
+            <a:fillRect/>
+          </a:stretch>
+        </p:blipFill>
+        <p:spPr>
+          <a:xfrm>
+            <a:off x="8126550" y="3827375"/>
+            <a:ext cx="3303451" cy="2408551"/>
           </a:xfrm>
           <a:prstGeom prst="rect">
             <a:avLst/>
@@ -13490,7 +13521,7 @@
   <p:cSld>
     <p:spTree>
       <p:nvGrpSpPr>
-        <p:cNvPr id="166" name="Shape 166"/>
+        <p:cNvPr id="167" name="Shape 167"/>
         <p:cNvGrpSpPr/>
         <p:nvPr/>
       </p:nvGrpSpPr>
@@ -13504,7 +13535,7 @@
       </p:grpSpPr>
       <p:sp>
         <p:nvSpPr>
-          <p:cNvPr id="167" name="Google Shape;167;p26"/>
+          <p:cNvPr id="168" name="Google Shape;168;p26"/>
           <p:cNvSpPr txBox="1"/>
           <p:nvPr>
             <p:ph type="title"/>
@@ -13566,7 +13597,7 @@
       </p:sp>
       <p:sp>
         <p:nvSpPr>
-          <p:cNvPr id="168" name="Google Shape;168;p26"/>
+          <p:cNvPr id="169" name="Google Shape;169;p26"/>
           <p:cNvSpPr txBox="1"/>
           <p:nvPr>
             <p:ph idx="1" type="body"/>
@@ -13778,7 +13809,7 @@
       </p:sp>
       <p:pic>
         <p:nvPicPr>
-          <p:cNvPr descr="Discord vector logo symbol (.EPS + .SVG) download for free" id="169" name="Google Shape;169;p26"/>
+          <p:cNvPr descr="Discord vector logo symbol (.EPS + .SVG) download for free" id="170" name="Google Shape;170;p26"/>
           <p:cNvPicPr preferRelativeResize="0"/>
           <p:nvPr/>
         </p:nvPicPr>
@@ -13805,7 +13836,7 @@
       </p:pic>
       <p:sp>
         <p:nvSpPr>
-          <p:cNvPr id="170" name="Google Shape;170;p26"/>
+          <p:cNvPr id="171" name="Google Shape;171;p26"/>
           <p:cNvSpPr/>
           <p:nvPr/>
         </p:nvSpPr>
@@ -13881,7 +13912,7 @@
       </p:sp>
       <p:pic>
         <p:nvPicPr>
-          <p:cNvPr id="171" name="Google Shape;171;p26"/>
+          <p:cNvPr id="172" name="Google Shape;172;p26"/>
           <p:cNvPicPr preferRelativeResize="0"/>
           <p:nvPr/>
         </p:nvPicPr>
@@ -13919,7 +13950,7 @@
   <p:cSld>
     <p:spTree>
       <p:nvGrpSpPr>
-        <p:cNvPr id="175" name="Shape 175"/>
+        <p:cNvPr id="176" name="Shape 176"/>
         <p:cNvGrpSpPr/>
         <p:nvPr/>
       </p:nvGrpSpPr>
@@ -13933,7 +13964,7 @@
       </p:grpSpPr>
       <p:sp>
         <p:nvSpPr>
-          <p:cNvPr id="176" name="Google Shape;176;p27"/>
+          <p:cNvPr id="177" name="Google Shape;177;p27"/>
           <p:cNvSpPr txBox="1"/>
           <p:nvPr>
             <p:ph type="title"/>
@@ -14001,7 +14032,7 @@
       </p:sp>
       <p:sp>
         <p:nvSpPr>
-          <p:cNvPr id="177" name="Google Shape;177;p27"/>
+          <p:cNvPr id="178" name="Google Shape;178;p27"/>
           <p:cNvSpPr txBox="1"/>
           <p:nvPr>
             <p:ph idx="1" type="body"/>
@@ -14367,7 +14398,7 @@
       </p:sp>
       <p:sp>
         <p:nvSpPr>
-          <p:cNvPr id="178" name="Google Shape;178;p27"/>
+          <p:cNvPr id="179" name="Google Shape;179;p27"/>
           <p:cNvSpPr/>
           <p:nvPr/>
         </p:nvSpPr>
@@ -14443,7 +14474,7 @@
       </p:sp>
       <p:sp>
         <p:nvSpPr>
-          <p:cNvPr id="179" name="Google Shape;179;p27"/>
+          <p:cNvPr id="180" name="Google Shape;180;p27"/>
           <p:cNvSpPr txBox="1"/>
           <p:nvPr>
             <p:ph idx="1" type="body"/>
@@ -14617,7 +14648,7 @@
   <p:cSld>
     <p:spTree>
       <p:nvGrpSpPr>
-        <p:cNvPr id="183" name="Shape 183"/>
+        <p:cNvPr id="184" name="Shape 184"/>
         <p:cNvGrpSpPr/>
         <p:nvPr/>
       </p:nvGrpSpPr>
@@ -14631,7 +14662,7 @@
       </p:grpSpPr>
       <p:sp>
         <p:nvSpPr>
-          <p:cNvPr id="184" name="Google Shape;184;p28"/>
+          <p:cNvPr id="185" name="Google Shape;185;p28"/>
           <p:cNvSpPr txBox="1"/>
           <p:nvPr>
             <p:ph type="title"/>
@@ -14699,7 +14730,7 @@
       </p:sp>
       <p:sp>
         <p:nvSpPr>
-          <p:cNvPr id="185" name="Google Shape;185;p28"/>
+          <p:cNvPr id="186" name="Google Shape;186;p28"/>
           <p:cNvSpPr txBox="1"/>
           <p:nvPr>
             <p:ph idx="1" type="body"/>
@@ -14851,7 +14882,7 @@
       </p:sp>
       <p:sp>
         <p:nvSpPr>
-          <p:cNvPr id="186" name="Google Shape;186;p28"/>
+          <p:cNvPr id="187" name="Google Shape;187;p28"/>
           <p:cNvSpPr/>
           <p:nvPr/>
         </p:nvSpPr>
@@ -14927,7 +14958,7 @@
       </p:sp>
       <p:sp>
         <p:nvSpPr>
-          <p:cNvPr id="187" name="Google Shape;187;p28"/>
+          <p:cNvPr id="188" name="Google Shape;188;p28"/>
           <p:cNvSpPr txBox="1"/>
           <p:nvPr>
             <p:ph idx="1" type="body"/>
@@ -15304,7 +15335,7 @@
   <p:cSld>
     <p:spTree>
       <p:nvGrpSpPr>
-        <p:cNvPr id="191" name="Shape 191"/>
+        <p:cNvPr id="192" name="Shape 192"/>
         <p:cNvGrpSpPr/>
         <p:nvPr/>
       </p:nvGrpSpPr>
@@ -15318,7 +15349,7 @@
       </p:grpSpPr>
       <p:sp>
         <p:nvSpPr>
-          <p:cNvPr id="192" name="Google Shape;192;p29"/>
+          <p:cNvPr id="193" name="Google Shape;193;p29"/>
           <p:cNvSpPr txBox="1"/>
           <p:nvPr>
             <p:ph type="title"/>
@@ -15380,7 +15411,7 @@
       </p:sp>
       <p:sp>
         <p:nvSpPr>
-          <p:cNvPr id="193" name="Google Shape;193;p29"/>
+          <p:cNvPr id="194" name="Google Shape;194;p29"/>
           <p:cNvSpPr txBox="1"/>
           <p:nvPr>
             <p:ph idx="1" type="body"/>
@@ -15537,7 +15568,7 @@
       </p:sp>
       <p:sp>
         <p:nvSpPr>
-          <p:cNvPr id="194" name="Google Shape;194;p29"/>
+          <p:cNvPr id="195" name="Google Shape;195;p29"/>
           <p:cNvSpPr/>
           <p:nvPr/>
         </p:nvSpPr>
@@ -15613,7 +15644,7 @@
       </p:sp>
       <p:pic>
         <p:nvPicPr>
-          <p:cNvPr descr="A képen fekete, sötétség látható&#10;&#10;Előfordulhat, hogy a mesterséges intelligencia által létrehozott tartalom helytelen." id="195" name="Google Shape;195;p29"/>
+          <p:cNvPr descr="A képen fekete, sötétség látható&#10;&#10;Előfordulhat, hogy a mesterséges intelligencia által létrehozott tartalom helytelen." id="196" name="Google Shape;196;p29"/>
           <p:cNvPicPr preferRelativeResize="0"/>
           <p:nvPr/>
         </p:nvPicPr>
@@ -15640,7 +15671,7 @@
       </p:pic>
       <p:pic>
         <p:nvPicPr>
-          <p:cNvPr descr="File:Octicons-mark-github.svg - Wikimedia Commons" id="196" name="Google Shape;196;p29"/>
+          <p:cNvPr descr="File:Octicons-mark-github.svg - Wikimedia Commons" id="197" name="Google Shape;197;p29"/>
           <p:cNvPicPr preferRelativeResize="0"/>
           <p:nvPr/>
         </p:nvPicPr>
@@ -15678,7 +15709,7 @@
   <p:cSld>
     <p:spTree>
       <p:nvGrpSpPr>
-        <p:cNvPr id="200" name="Shape 200"/>
+        <p:cNvPr id="201" name="Shape 201"/>
         <p:cNvGrpSpPr/>
         <p:nvPr/>
       </p:nvGrpSpPr>
@@ -15692,7 +15723,7 @@
       </p:grpSpPr>
       <p:sp>
         <p:nvSpPr>
-          <p:cNvPr id="201" name="Google Shape;201;p30"/>
+          <p:cNvPr id="202" name="Google Shape;202;p30"/>
           <p:cNvSpPr txBox="1"/>
           <p:nvPr>
             <p:ph idx="1" type="body"/>
@@ -16014,7 +16045,7 @@
       </p:sp>
       <p:pic>
         <p:nvPicPr>
-          <p:cNvPr id="202" name="Google Shape;202;p30"/>
+          <p:cNvPr id="203" name="Google Shape;203;p30"/>
           <p:cNvPicPr preferRelativeResize="0"/>
           <p:nvPr/>
         </p:nvPicPr>
@@ -16041,7 +16072,7 @@
       </p:pic>
       <p:sp>
         <p:nvSpPr>
-          <p:cNvPr id="203" name="Google Shape;203;p30"/>
+          <p:cNvPr id="204" name="Google Shape;204;p30"/>
           <p:cNvSpPr txBox="1"/>
           <p:nvPr>
             <p:ph type="title"/>
@@ -16109,7 +16140,7 @@
       </p:sp>
       <p:sp>
         <p:nvSpPr>
-          <p:cNvPr id="204" name="Google Shape;204;p30"/>
+          <p:cNvPr id="205" name="Google Shape;205;p30"/>
           <p:cNvSpPr/>
           <p:nvPr/>
         </p:nvSpPr>
@@ -16185,7 +16216,7 @@
       </p:sp>
       <p:pic>
         <p:nvPicPr>
-          <p:cNvPr id="205" name="Google Shape;205;p30" title="Képernyőfotó 2025-04-13 - 10.45.55.png"/>
+          <p:cNvPr id="206" name="Google Shape;206;p30" title="Képernyőfotó 2025-04-13 - 10.45.55.png"/>
           <p:cNvPicPr preferRelativeResize="0"/>
           <p:nvPr/>
         </p:nvPicPr>
@@ -16223,7 +16254,7 @@
   <p:cSld>
     <p:spTree>
       <p:nvGrpSpPr>
-        <p:cNvPr id="209" name="Shape 209"/>
+        <p:cNvPr id="210" name="Shape 210"/>
         <p:cNvGrpSpPr/>
         <p:nvPr/>
       </p:nvGrpSpPr>
@@ -16237,7 +16268,7 @@
       </p:grpSpPr>
       <p:sp>
         <p:nvSpPr>
-          <p:cNvPr id="210" name="Google Shape;210;p31">
+          <p:cNvPr id="211" name="Google Shape;211;p31">
             <a:hlinkClick r:id="rId3"/>
           </p:cNvPr>
           <p:cNvSpPr txBox="1"/>
@@ -16301,7 +16332,7 @@
       </p:sp>
       <p:pic>
         <p:nvPicPr>
-          <p:cNvPr id="211" name="Google Shape;211;p31" title="Képernyőfotó 2025-04-12 - 19.26.03.png"/>
+          <p:cNvPr id="212" name="Google Shape;212;p31" title="Képernyőfotó 2025-04-12 - 19.26.03.png"/>
           <p:cNvPicPr preferRelativeResize="0"/>
           <p:nvPr/>
         </p:nvPicPr>
@@ -16328,7 +16359,7 @@
       </p:pic>
       <p:sp>
         <p:nvSpPr>
-          <p:cNvPr id="212" name="Google Shape;212;p31"/>
+          <p:cNvPr id="213" name="Google Shape;213;p31"/>
           <p:cNvSpPr/>
           <p:nvPr/>
         </p:nvSpPr>
